--- a/ADT_PPT_Group-26.pptx
+++ b/ADT_PPT_Group-26.pptx
@@ -8889,19 +8889,7 @@
                     </a:solidFill>
                     <a:cs typeface="Arial" pitchFamily="34" charset="0"/>
                   </a:rPr>
-                  <a:t>We are also looking towards create some story in visual form rather than text using some reporting tool such as Tableau and embed that to our UI.</a:t>
-                </a:r>
-                <a:r>
-                  <a:rPr lang="en-US" altLang="ko-KR" sz="1200" dirty="0" smtClean="0">
-                    <a:solidFill>
-                      <a:schemeClr val="tx1">
-                        <a:lumMod val="65000"/>
-                        <a:lumOff val="35000"/>
-                      </a:schemeClr>
-                    </a:solidFill>
-                    <a:cs typeface="Arial" pitchFamily="34" charset="0"/>
-                  </a:rPr>
-                  <a:t> </a:t>
+                  <a:t>We are also looking towards create some story in visual form rather than text using some reporting tool such as Tableau and embed that to our UI. </a:t>
                 </a:r>
                 <a:endParaRPr lang="ko-KR" altLang="en-US" sz="1200" dirty="0">
                   <a:solidFill>
@@ -9980,31 +9968,7 @@
                     </a:solidFill>
                     <a:cs typeface="Arial" pitchFamily="34" charset="0"/>
                   </a:rPr>
-                  <a:t>We are thinking to introduce machine leanin</a:t>
-                </a:r>
-                <a:r>
-                  <a:rPr lang="en-US" altLang="ko-KR" sz="1200" dirty="0" smtClean="0">
-                    <a:solidFill>
-                      <a:schemeClr val="tx1">
-                        <a:lumMod val="65000"/>
-                        <a:lumOff val="35000"/>
-                      </a:schemeClr>
-                    </a:solidFill>
-                    <a:cs typeface="Arial" pitchFamily="34" charset="0"/>
-                  </a:rPr>
-                  <a:t>g for our project where using will get recommendations after some visits. (Page ranking algorithm (NLP))</a:t>
-                </a:r>
-                <a:r>
-                  <a:rPr lang="en-US" altLang="ko-KR" sz="1200" dirty="0" smtClean="0">
-                    <a:solidFill>
-                      <a:schemeClr val="tx1">
-                        <a:lumMod val="65000"/>
-                        <a:lumOff val="35000"/>
-                      </a:schemeClr>
-                    </a:solidFill>
-                    <a:cs typeface="Arial" pitchFamily="34" charset="0"/>
-                  </a:rPr>
-                  <a:t> </a:t>
+                  <a:t>We are thinking to introduce machine leaning for our project where using will get recommendations after some visits. (Page ranking algorithm (NLP)) </a:t>
                 </a:r>
                 <a:endParaRPr lang="ko-KR" altLang="en-US" sz="1200" dirty="0">
                   <a:solidFill>
@@ -10057,19 +10021,7 @@
                     </a:solidFill>
                     <a:cs typeface="Arial" pitchFamily="34" charset="0"/>
                   </a:rPr>
-                  <a:t>Introduction to Machine Lear</a:t>
-                </a:r>
-                <a:r>
-                  <a:rPr lang="en-US" altLang="ko-KR" sz="1200" dirty="0" smtClean="0">
-                    <a:solidFill>
-                      <a:schemeClr val="tx1">
-                        <a:lumMod val="75000"/>
-                        <a:lumOff val="25000"/>
-                      </a:schemeClr>
-                    </a:solidFill>
-                    <a:cs typeface="Arial" pitchFamily="34" charset="0"/>
-                  </a:rPr>
-                  <a:t>ning</a:t>
+                  <a:t>Introduction to Machine Learning</a:t>
                 </a:r>
                 <a:endParaRPr lang="ko-KR" altLang="en-US" sz="1200" dirty="0">
                   <a:solidFill>
@@ -23136,31 +23088,7 @@
                   </a:solidFill>
                   <a:cs typeface="Arial" pitchFamily="34" charset="0"/>
                 </a:rPr>
-                <a:t>Zoom and </a:t>
-              </a:r>
-              <a:r>
-                <a:rPr lang="en-US" altLang="ko-KR" sz="1200" dirty="0" smtClean="0">
-                  <a:solidFill>
-                    <a:schemeClr val="tx1">
-                      <a:lumMod val="75000"/>
-                      <a:lumOff val="25000"/>
-                    </a:schemeClr>
-                  </a:solidFill>
-                  <a:cs typeface="Arial" pitchFamily="34" charset="0"/>
-                </a:rPr>
-                <a:t>MS </a:t>
-              </a:r>
-              <a:r>
-                <a:rPr lang="en-US" altLang="ko-KR" sz="1200" dirty="0" smtClean="0">
-                  <a:solidFill>
-                    <a:schemeClr val="tx1">
-                      <a:lumMod val="75000"/>
-                      <a:lumOff val="25000"/>
-                    </a:schemeClr>
-                  </a:solidFill>
-                  <a:cs typeface="Arial" pitchFamily="34" charset="0"/>
-                </a:rPr>
-                <a:t>Teams for </a:t>
+                <a:t>Zoom and MS Teams for </a:t>
               </a:r>
               <a:r>
                 <a:rPr lang="en-US" altLang="ko-KR" sz="1200" dirty="0">
@@ -23561,6 +23489,18 @@
             </a:bodyPr>
             <a:lstStyle/>
             <a:p>
+              <a:r>
+                <a:rPr lang="en-IN" altLang="ko-KR" sz="1200" dirty="0" smtClean="0">
+                  <a:solidFill>
+                    <a:schemeClr val="tx1">
+                      <a:lumMod val="75000"/>
+                      <a:lumOff val="25000"/>
+                    </a:schemeClr>
+                  </a:solidFill>
+                  <a:cs typeface="Arial" pitchFamily="34" charset="0"/>
+                </a:rPr>
+                <a:t>MR Unit</a:t>
+              </a:r>
               <a:endParaRPr lang="ko-KR" altLang="en-US" sz="1200" dirty="0">
                 <a:solidFill>
                   <a:schemeClr val="tx1">
@@ -24123,7 +24063,7 @@
                 <a14:useLocalDpi xmlns:a14="http://schemas.microsoft.com/office/drawing/2010/main" val="0"/>
               </a:ext>
               <a:ext uri="{96DAC541-7B7A-43D3-8B79-37D633B846F1}">
-                <asvg:svgBlip xmlns="" xmlns:asvg="http://schemas.microsoft.com/office/drawing/2016/SVG/main" r:embed="rId9"/>
+                <asvg:svgBlip xmlns:asvg="http://schemas.microsoft.com/office/drawing/2016/SVG/main" xmlns="" r:embed="rId9"/>
               </a:ext>
             </a:extLst>
           </a:blip>
@@ -31678,46 +31618,6 @@
       </p:grpSpPr>
       <p:sp>
         <p:nvSpPr>
-          <p:cNvPr id="13" name="TextBox 12">
-            <a:extLst>
-              <a:ext uri="{FF2B5EF4-FFF2-40B4-BE49-F238E27FC236}">
-                <a16:creationId xmlns:a16="http://schemas.microsoft.com/office/drawing/2014/main" id="{3821C0FD-B5EF-4D94-BE2E-60F02BDA3D98}"/>
-              </a:ext>
-            </a:extLst>
-          </p:cNvPr>
-          <p:cNvSpPr txBox="1"/>
-          <p:nvPr/>
-        </p:nvSpPr>
-        <p:spPr>
-          <a:xfrm>
-            <a:off x="8392578" y="1674674"/>
-            <a:ext cx="3301191" cy="3323987"/>
-          </a:xfrm>
-          <a:prstGeom prst="rect">
-            <a:avLst/>
-          </a:prstGeom>
-          <a:noFill/>
-        </p:spPr>
-        <p:txBody>
-          <a:bodyPr wrap="square" rtlCol="0">
-            <a:spAutoFit/>
-          </a:bodyPr>
-          <a:lstStyle/>
-          <a:p>
-            <a:r>
-              <a:rPr lang="en-US" altLang="ko-KR" sz="1400" dirty="0">
-                <a:solidFill>
-                  <a:schemeClr val="bg1"/>
-                </a:solidFill>
-                <a:cs typeface="Arial" pitchFamily="34" charset="0"/>
-              </a:rPr>
-              <a:t>You can simply impress your audience and add a unique zing and appeal to your Presentations. Easy to change colors, photos and Text. Get a modern PowerPoint  Presentation that is beautifully designed. I hope and I believe that this Template will your Time, Money and Reputation. You can simply impress your audience and add a unique zing and appeal to your Presentations. Get a modern PowerPoint  Presentation that is beautifully designed. I hope and I believe that this Template will your Time, Money and Reputation. </a:t>
-            </a:r>
-          </a:p>
-        </p:txBody>
-      </p:sp>
-      <p:sp>
-        <p:nvSpPr>
           <p:cNvPr id="14" name="TextBox 13">
             <a:extLst>
               <a:ext uri="{FF2B5EF4-FFF2-40B4-BE49-F238E27FC236}">
@@ -32031,7 +31931,7 @@
         </p:nvSpPr>
         <p:spPr>
           <a:xfrm rot="10800000">
-            <a:off x="11172000" y="4824423"/>
+            <a:off x="11343734" y="5108519"/>
             <a:ext cx="638713" cy="590719"/>
           </a:xfrm>
           <a:custGeom>
@@ -32330,7 +32230,7 @@
         </p:nvSpPr>
         <p:spPr>
           <a:xfrm>
-            <a:off x="4405044" y="5699238"/>
+            <a:off x="8810085" y="2833099"/>
             <a:ext cx="2853005" cy="595901"/>
           </a:xfrm>
           <a:prstGeom prst="rect">

--- a/ADT_PPT_Group-26.pptx
+++ b/ADT_PPT_Group-26.pptx
@@ -7480,8 +7480,64 @@
           <a:lstStyle/>
           <a:p>
             <a:r>
+              <a:rPr lang="en-US" b="1" dirty="0">
+                <a:ln w="12700">
+                  <a:solidFill>
+                    <a:schemeClr val="tx2">
+                      <a:satMod val="155000"/>
+                    </a:schemeClr>
+                  </a:solidFill>
+                  <a:prstDash val="solid"/>
+                </a:ln>
+                <a:solidFill>
+                  <a:schemeClr val="bg2">
+                    <a:tint val="85000"/>
+                    <a:satMod val="155000"/>
+                  </a:schemeClr>
+                </a:solidFill>
+                <a:effectLst>
+                  <a:outerShdw blurRad="41275" dist="20320" dir="1800000" algn="tl" rotWithShape="0">
+                    <a:srgbClr val="000000">
+                      <a:alpha val="40000"/>
+                    </a:srgbClr>
+                  </a:outerShdw>
+                </a:effectLst>
+              </a:rPr>
+              <a:t>FUTURE</a:t>
+            </a:r>
+            <a:r>
               <a:rPr lang="en-US" dirty="0"/>
-              <a:t>FUTURE WORK </a:t>
+              <a:t> </a:t>
+            </a:r>
+            <a:r>
+              <a:rPr lang="en-US" b="1" dirty="0">
+                <a:ln w="12700">
+                  <a:solidFill>
+                    <a:schemeClr val="tx2">
+                      <a:satMod val="155000"/>
+                    </a:schemeClr>
+                  </a:solidFill>
+                  <a:prstDash val="solid"/>
+                </a:ln>
+                <a:solidFill>
+                  <a:schemeClr val="bg2">
+                    <a:tint val="85000"/>
+                    <a:satMod val="155000"/>
+                  </a:schemeClr>
+                </a:solidFill>
+                <a:effectLst>
+                  <a:outerShdw blurRad="41275" dist="20320" dir="1800000" algn="tl" rotWithShape="0">
+                    <a:srgbClr val="000000">
+                      <a:alpha val="40000"/>
+                    </a:srgbClr>
+                  </a:outerShdw>
+                </a:effectLst>
+              </a:rPr>
+              <a:t>WORK</a:t>
+            </a:r>
+            <a:r>
+              <a:rPr lang="en-US" dirty="0"/>
+              <a:t> </a:t>
             </a:r>
           </a:p>
         </p:txBody>
@@ -8090,9 +8146,9 @@
         <p:grpSpPr>
           <a:xfrm>
             <a:off x="5029201" y="5156196"/>
-            <a:ext cx="6223517" cy="929826"/>
+            <a:ext cx="6223517" cy="1237602"/>
             <a:chOff x="5029201" y="5156196"/>
-            <a:chExt cx="6223517" cy="929826"/>
+            <a:chExt cx="6223517" cy="1237602"/>
           </a:xfrm>
         </p:grpSpPr>
         <p:grpSp>
@@ -8110,9 +8166,9 @@
           <p:grpSpPr>
             <a:xfrm>
               <a:off x="5029201" y="5156196"/>
-              <a:ext cx="6223517" cy="929826"/>
+              <a:ext cx="6223517" cy="1237602"/>
               <a:chOff x="-643405" y="2826095"/>
-              <a:chExt cx="6223517" cy="929826"/>
+              <a:chExt cx="6223517" cy="1237602"/>
             </a:xfrm>
           </p:grpSpPr>
           <p:sp>
@@ -8189,7 +8245,7 @@
             <p:spPr>
               <a:xfrm>
                 <a:off x="-643405" y="3109590"/>
-                <a:ext cx="5545081" cy="646331"/>
+                <a:ext cx="5545081" cy="954107"/>
               </a:xfrm>
               <a:prstGeom prst="rect">
                 <a:avLst/>
@@ -8204,7 +8260,7 @@
               <a:p>
                 <a:pPr algn="r"/>
                 <a:r>
-                  <a:rPr lang="en-US" altLang="ko-KR" sz="1200" dirty="0" smtClean="0">
+                  <a:rPr lang="en-US" altLang="ko-KR" sz="1400" dirty="0" smtClean="0">
                     <a:solidFill>
                       <a:schemeClr val="tx1">
                         <a:lumMod val="65000"/>
@@ -8219,7 +8275,7 @@
               <a:p>
                 <a:pPr algn="r"/>
                 <a:r>
-                  <a:rPr lang="en-US" altLang="ko-KR" sz="1200" dirty="0" smtClean="0">
+                  <a:rPr lang="en-US" altLang="ko-KR" sz="1400" dirty="0" smtClean="0">
                     <a:solidFill>
                       <a:schemeClr val="tx1">
                         <a:lumMod val="65000"/>
@@ -8234,7 +8290,7 @@
               <a:p>
                 <a:pPr algn="r"/>
                 <a:r>
-                  <a:rPr lang="en-US" altLang="ko-KR" sz="1200" dirty="0" smtClean="0">
+                  <a:rPr lang="en-US" altLang="ko-KR" sz="1400" dirty="0" smtClean="0">
                     <a:solidFill>
                       <a:schemeClr val="tx1">
                         <a:lumMod val="65000"/>
@@ -8245,7 +8301,7 @@
                   </a:rPr>
                   <a:t>-Bill Gates</a:t>
                 </a:r>
-                <a:endParaRPr lang="ko-KR" altLang="en-US" sz="1200" dirty="0">
+                <a:endParaRPr lang="ko-KR" altLang="en-US" sz="1400" dirty="0">
                   <a:solidFill>
                     <a:schemeClr val="tx1">
                       <a:lumMod val="65000"/>
@@ -8272,7 +8328,7 @@
             <p:spPr>
               <a:xfrm>
                 <a:off x="1043608" y="2832591"/>
-                <a:ext cx="3856901" cy="276999"/>
+                <a:ext cx="3856901" cy="307777"/>
               </a:xfrm>
               <a:prstGeom prst="rect">
                 <a:avLst/>
@@ -8287,7 +8343,7 @@
               <a:p>
                 <a:pPr algn="r"/>
                 <a:r>
-                  <a:rPr lang="en-US" altLang="ko-KR" sz="1200" dirty="0" smtClean="0">
+                  <a:rPr lang="en-US" altLang="ko-KR" sz="1400" dirty="0" smtClean="0">
                     <a:solidFill>
                       <a:schemeClr val="tx1">
                         <a:lumMod val="75000"/>
@@ -8298,7 +8354,7 @@
                   </a:rPr>
                   <a:t>Maintenance</a:t>
                 </a:r>
-                <a:endParaRPr lang="ko-KR" altLang="en-US" sz="1200" dirty="0">
+                <a:endParaRPr lang="ko-KR" altLang="en-US" sz="1400" dirty="0">
                   <a:solidFill>
                     <a:schemeClr val="tx1">
                       <a:lumMod val="75000"/>
@@ -8766,9 +8822,9 @@
         <p:grpSpPr>
           <a:xfrm>
             <a:off x="5029200" y="2886863"/>
-            <a:ext cx="6223518" cy="745160"/>
+            <a:ext cx="6223518" cy="1022159"/>
             <a:chOff x="5029200" y="2886863"/>
-            <a:chExt cx="6223518" cy="745160"/>
+            <a:chExt cx="6223518" cy="1022159"/>
           </a:xfrm>
         </p:grpSpPr>
         <p:grpSp>
@@ -8786,9 +8842,9 @@
           <p:grpSpPr>
             <a:xfrm>
               <a:off x="5029200" y="2886863"/>
-              <a:ext cx="6223518" cy="745160"/>
+              <a:ext cx="6223518" cy="1022159"/>
               <a:chOff x="-643406" y="2826095"/>
-              <a:chExt cx="6223518" cy="745160"/>
+              <a:chExt cx="6223518" cy="1022159"/>
             </a:xfrm>
           </p:grpSpPr>
           <p:sp>
@@ -8865,7 +8921,7 @@
             <p:spPr>
               <a:xfrm>
                 <a:off x="-291140" y="3109590"/>
-                <a:ext cx="5192817" cy="461665"/>
+                <a:ext cx="5192817" cy="738664"/>
               </a:xfrm>
               <a:prstGeom prst="rect">
                 <a:avLst/>
@@ -8880,7 +8936,7 @@
               <a:p>
                 <a:pPr algn="r"/>
                 <a:r>
-                  <a:rPr lang="en-US" altLang="ko-KR" sz="1200" dirty="0" smtClean="0">
+                  <a:rPr lang="en-US" altLang="ko-KR" sz="1400" dirty="0" smtClean="0">
                     <a:solidFill>
                       <a:schemeClr val="tx1">
                         <a:lumMod val="65000"/>
@@ -8891,7 +8947,7 @@
                   </a:rPr>
                   <a:t>We are also looking towards create some story in visual form rather than text using some reporting tool such as Tableau and embed that to our UI. </a:t>
                 </a:r>
-                <a:endParaRPr lang="ko-KR" altLang="en-US" sz="1200" dirty="0">
+                <a:endParaRPr lang="ko-KR" altLang="en-US" sz="1400" dirty="0">
                   <a:solidFill>
                     <a:schemeClr val="tx1">
                       <a:lumMod val="65000"/>
@@ -8918,7 +8974,7 @@
             <p:spPr>
               <a:xfrm>
                 <a:off x="-186108" y="2832591"/>
-                <a:ext cx="5086618" cy="276999"/>
+                <a:ext cx="5086618" cy="307777"/>
               </a:xfrm>
               <a:prstGeom prst="rect">
                 <a:avLst/>
@@ -8933,7 +8989,7 @@
               <a:p>
                 <a:pPr algn="r"/>
                 <a:r>
-                  <a:rPr lang="en-US" altLang="ko-KR" sz="1200" dirty="0" smtClean="0">
+                  <a:rPr lang="en-US" altLang="ko-KR" sz="1400" dirty="0" smtClean="0">
                     <a:solidFill>
                       <a:schemeClr val="tx1">
                         <a:lumMod val="75000"/>
@@ -8944,7 +9000,7 @@
                   </a:rPr>
                   <a:t>Attractive Visuals</a:t>
                 </a:r>
-                <a:endParaRPr lang="ko-KR" altLang="en-US" sz="1200" dirty="0">
+                <a:endParaRPr lang="ko-KR" altLang="en-US" sz="1400" dirty="0">
                   <a:solidFill>
                     <a:schemeClr val="tx1">
                       <a:lumMod val="75000"/>
@@ -9350,9 +9406,9 @@
         <p:grpSpPr>
           <a:xfrm>
             <a:off x="3835914" y="1752197"/>
-            <a:ext cx="7416805" cy="745160"/>
+            <a:ext cx="7416805" cy="1022159"/>
             <a:chOff x="3835914" y="1752197"/>
-            <a:chExt cx="7416805" cy="745160"/>
+            <a:chExt cx="7416805" cy="1022159"/>
           </a:xfrm>
         </p:grpSpPr>
         <p:grpSp>
@@ -9370,9 +9426,9 @@
           <p:grpSpPr>
             <a:xfrm>
               <a:off x="3835914" y="1752197"/>
-              <a:ext cx="7416805" cy="745160"/>
+              <a:ext cx="7416805" cy="1022159"/>
               <a:chOff x="-1836693" y="2826095"/>
-              <a:chExt cx="7416805" cy="745160"/>
+              <a:chExt cx="7416805" cy="1022159"/>
             </a:xfrm>
           </p:grpSpPr>
           <p:sp>
@@ -9449,7 +9505,7 @@
             <p:spPr>
               <a:xfrm>
                 <a:off x="-1704110" y="3109590"/>
-                <a:ext cx="6605787" cy="461665"/>
+                <a:ext cx="6605787" cy="738664"/>
               </a:xfrm>
               <a:prstGeom prst="rect">
                 <a:avLst/>
@@ -9464,7 +9520,7 @@
               <a:p>
                 <a:pPr algn="r"/>
                 <a:r>
-                  <a:rPr lang="en-US" altLang="ko-KR" sz="1200" dirty="0" smtClean="0">
+                  <a:rPr lang="en-US" altLang="ko-KR" sz="1400" dirty="0" smtClean="0">
                     <a:solidFill>
                       <a:schemeClr val="tx1">
                         <a:lumMod val="65000"/>
@@ -9475,7 +9531,7 @@
                   </a:rPr>
                   <a:t>As we are getting expected output from our development, we are planning to implement some UI, so that, this meaningful information will be helpful to user in easy manner.</a:t>
                 </a:r>
-                <a:endParaRPr lang="ko-KR" altLang="en-US" sz="1200" dirty="0">
+                <a:endParaRPr lang="ko-KR" altLang="en-US" sz="1400" dirty="0">
                   <a:solidFill>
                     <a:schemeClr val="tx1">
                       <a:lumMod val="65000"/>
@@ -9502,7 +9558,7 @@
             <p:spPr>
               <a:xfrm>
                 <a:off x="-1704110" y="2832591"/>
-                <a:ext cx="6604620" cy="276999"/>
+                <a:ext cx="6604620" cy="307777"/>
               </a:xfrm>
               <a:prstGeom prst="rect">
                 <a:avLst/>
@@ -9517,7 +9573,7 @@
               <a:p>
                 <a:pPr algn="r"/>
                 <a:r>
-                  <a:rPr lang="en-US" altLang="ko-KR" sz="1200" dirty="0" smtClean="0">
+                  <a:rPr lang="en-US" altLang="ko-KR" sz="1400" dirty="0" smtClean="0">
                     <a:solidFill>
                       <a:schemeClr val="tx1">
                         <a:lumMod val="75000"/>
@@ -9528,7 +9584,7 @@
                   </a:rPr>
                   <a:t>Implementation UI</a:t>
                 </a:r>
-                <a:endParaRPr lang="ko-KR" altLang="en-US" sz="1200" dirty="0">
+                <a:endParaRPr lang="ko-KR" altLang="en-US" sz="1400" dirty="0">
                   <a:solidFill>
                     <a:schemeClr val="tx1">
                       <a:lumMod val="75000"/>
@@ -9845,9 +9901,9 @@
         <p:grpSpPr>
           <a:xfrm>
             <a:off x="5295501" y="4089681"/>
-            <a:ext cx="5957216" cy="745160"/>
+            <a:ext cx="5957216" cy="1022159"/>
             <a:chOff x="5295501" y="4021529"/>
-            <a:chExt cx="5957216" cy="745160"/>
+            <a:chExt cx="5957216" cy="1022159"/>
           </a:xfrm>
         </p:grpSpPr>
         <p:grpSp>
@@ -9865,9 +9921,9 @@
           <p:grpSpPr>
             <a:xfrm>
               <a:off x="5295501" y="4021529"/>
-              <a:ext cx="5957216" cy="745160"/>
+              <a:ext cx="5957216" cy="1022159"/>
               <a:chOff x="-377104" y="2826095"/>
-              <a:chExt cx="5957216" cy="745160"/>
+              <a:chExt cx="5957216" cy="1022159"/>
             </a:xfrm>
           </p:grpSpPr>
           <p:sp>
@@ -9944,7 +10000,7 @@
             <p:spPr>
               <a:xfrm>
                 <a:off x="-360293" y="3109590"/>
-                <a:ext cx="5261969" cy="461665"/>
+                <a:ext cx="5261969" cy="738664"/>
               </a:xfrm>
               <a:prstGeom prst="rect">
                 <a:avLst/>
@@ -9959,7 +10015,7 @@
               <a:p>
                 <a:pPr algn="r"/>
                 <a:r>
-                  <a:rPr lang="en-US" altLang="ko-KR" sz="1200" dirty="0" smtClean="0">
+                  <a:rPr lang="en-US" altLang="ko-KR" sz="1400" dirty="0" smtClean="0">
                     <a:solidFill>
                       <a:schemeClr val="tx1">
                         <a:lumMod val="65000"/>
@@ -9970,7 +10026,7 @@
                   </a:rPr>
                   <a:t>We are thinking to introduce machine leaning for our project where using will get recommendations after some visits. (Page ranking algorithm (NLP)) </a:t>
                 </a:r>
-                <a:endParaRPr lang="ko-KR" altLang="en-US" sz="1200" dirty="0">
+                <a:endParaRPr lang="ko-KR" altLang="en-US" sz="1400" dirty="0">
                   <a:solidFill>
                     <a:schemeClr val="tx1">
                       <a:lumMod val="65000"/>
@@ -9997,7 +10053,7 @@
             <p:spPr>
               <a:xfrm>
                 <a:off x="-377104" y="2832591"/>
-                <a:ext cx="5277613" cy="276999"/>
+                <a:ext cx="5277613" cy="307777"/>
               </a:xfrm>
               <a:prstGeom prst="rect">
                 <a:avLst/>
@@ -10012,7 +10068,7 @@
               <a:p>
                 <a:pPr algn="r"/>
                 <a:r>
-                  <a:rPr lang="en-US" altLang="ko-KR" sz="1200" dirty="0" smtClean="0">
+                  <a:rPr lang="en-US" altLang="ko-KR" sz="1400" dirty="0" smtClean="0">
                     <a:solidFill>
                       <a:schemeClr val="tx1">
                         <a:lumMod val="75000"/>
@@ -10023,7 +10079,7 @@
                   </a:rPr>
                   <a:t>Introduction to Machine Learning</a:t>
                 </a:r>
-                <a:endParaRPr lang="ko-KR" altLang="en-US" sz="1200" dirty="0">
+                <a:endParaRPr lang="ko-KR" altLang="en-US" sz="1400" dirty="0">
                   <a:solidFill>
                     <a:schemeClr val="tx1">
                       <a:lumMod val="75000"/>
@@ -11667,7 +11723,7 @@
         <p:spPr>
           <a:xfrm>
             <a:off x="811173" y="2259659"/>
-            <a:ext cx="10410202" cy="3416320"/>
+            <a:ext cx="10410202" cy="1384995"/>
           </a:xfrm>
           <a:prstGeom prst="rect">
             <a:avLst/>
@@ -11682,45 +11738,33 @@
           <a:p>
             <a:pPr algn="just"/>
             <a:r>
-              <a:rPr lang="en-US" altLang="ko-KR" sz="2400" dirty="0"/>
-              <a:t>Thus, based on the demo and screenshot seen from our project, we would like to end our presentation on the note that our software will be helpful to the IT companies as </a:t>
+              <a:rPr lang="en-US" altLang="ko-KR" sz="1400" dirty="0">
+                <a:solidFill>
+                  <a:schemeClr val="tx1">
+                    <a:lumMod val="75000"/>
+                    <a:lumOff val="25000"/>
+                  </a:schemeClr>
+                </a:solidFill>
+                <a:cs typeface="Arial" pitchFamily="34" charset="0"/>
+              </a:rPr>
+              <a:t>Thus, based on the demo and screenshot seen from our project, we would like to end our presentation on the note that our software will be helpful to the IT companies as well as to those other relevant users would benefit from having themselves updated to the latest details concerning with feedback on economic, industrial, social, or government, rather than taking </a:t>
             </a:r>
             <a:r>
-              <a:rPr lang="en-US" altLang="ko-KR" sz="2400" dirty="0" smtClean="0"/>
-              <a:t>well as </a:t>
-            </a:r>
-            <a:r>
-              <a:rPr lang="en-US" altLang="ko-KR" sz="2400" dirty="0"/>
-              <a:t>to those other relevant users would benefit from having themselves updated to the latest details concerning with feedback on economic, industrial, social, or government, rather than taking offline</a:t>
-            </a:r>
-            <a:r>
-              <a:rPr lang="en-US" altLang="ko-KR" sz="2400" dirty="0" smtClean="0"/>
-              <a:t>.</a:t>
+              <a:rPr lang="en-US" altLang="ko-KR" sz="1400" dirty="0" smtClean="0">
+                <a:solidFill>
+                  <a:schemeClr val="tx1">
+                    <a:lumMod val="75000"/>
+                    <a:lumOff val="25000"/>
+                  </a:schemeClr>
+                </a:solidFill>
+                <a:cs typeface="Arial" pitchFamily="34" charset="0"/>
+              </a:rPr>
+              <a:t>offline.</a:t>
             </a:r>
           </a:p>
           <a:p>
             <a:pPr algn="just"/>
-            <a:r>
-              <a:rPr lang="en-US" altLang="ko-KR" sz="2400" dirty="0" smtClean="0"/>
-              <a:t>We </a:t>
-            </a:r>
-            <a:r>
-              <a:rPr lang="en-US" altLang="ko-KR" sz="2400" dirty="0"/>
-              <a:t>would like to thank our </a:t>
-            </a:r>
-            <a:r>
-              <a:rPr lang="en-US" altLang="ko-KR" sz="2400" i="1" dirty="0">
-                <a:solidFill>
-                  <a:srgbClr val="002060"/>
-                </a:solidFill>
-              </a:rPr>
-              <a:t>Prof. Dr. Kalyani Selvarajah  </a:t>
-            </a:r>
-            <a:r>
-              <a:rPr lang="en-US" altLang="ko-KR" sz="2400" dirty="0"/>
-              <a:t>for supporting us throughout our project development and also our TA’s for assisting us in our Assignments and Difficulties throughout our semester.</a:t>
-            </a:r>
-            <a:endParaRPr lang="en-US" altLang="ko-KR" sz="2400" dirty="0">
+            <a:endParaRPr lang="en-US" altLang="ko-KR" sz="1400" dirty="0">
               <a:solidFill>
                 <a:schemeClr val="tx1">
                   <a:lumMod val="75000"/>
@@ -11729,6 +11773,69 @@
               </a:solidFill>
               <a:cs typeface="Arial" pitchFamily="34" charset="0"/>
             </a:endParaRPr>
+          </a:p>
+          <a:p>
+            <a:pPr algn="just"/>
+            <a:r>
+              <a:rPr lang="en-US" altLang="ko-KR" sz="1400" dirty="0">
+                <a:solidFill>
+                  <a:schemeClr val="tx1">
+                    <a:lumMod val="75000"/>
+                    <a:lumOff val="25000"/>
+                  </a:schemeClr>
+                </a:solidFill>
+                <a:cs typeface="Arial" pitchFamily="34" charset="0"/>
+              </a:rPr>
+              <a:t>We would like to thank our </a:t>
+            </a:r>
+            <a:r>
+              <a:rPr lang="en-US" altLang="ko-KR" sz="1400" b="1" i="1" dirty="0">
+                <a:solidFill>
+                  <a:schemeClr val="tx1">
+                    <a:lumMod val="75000"/>
+                    <a:lumOff val="25000"/>
+                  </a:schemeClr>
+                </a:solidFill>
+                <a:cs typeface="Arial" pitchFamily="34" charset="0"/>
+              </a:rPr>
+              <a:t>Prof. Dr. Kalyani Selvarajah  </a:t>
+            </a:r>
+            <a:r>
+              <a:rPr lang="en-US" altLang="ko-KR" sz="1400" dirty="0">
+                <a:solidFill>
+                  <a:schemeClr val="tx1">
+                    <a:lumMod val="75000"/>
+                    <a:lumOff val="25000"/>
+                  </a:schemeClr>
+                </a:solidFill>
+                <a:cs typeface="Arial" pitchFamily="34" charset="0"/>
+              </a:rPr>
+              <a:t>for supporting us throughout our project development and also our </a:t>
+            </a:r>
+            <a:r>
+              <a:rPr lang="en-US" altLang="ko-KR" sz="1400" b="1" i="1" dirty="0">
+                <a:solidFill>
+                  <a:schemeClr val="tx1">
+                    <a:lumMod val="75000"/>
+                    <a:lumOff val="25000"/>
+                  </a:schemeClr>
+                </a:solidFill>
+                <a:cs typeface="Arial" pitchFamily="34" charset="0"/>
+              </a:rPr>
+              <a:t>TA’s</a:t>
+            </a:r>
+            <a:r>
+              <a:rPr lang="en-US" altLang="ko-KR" sz="1400" dirty="0">
+                <a:solidFill>
+                  <a:schemeClr val="tx1">
+                    <a:lumMod val="75000"/>
+                    <a:lumOff val="25000"/>
+                  </a:schemeClr>
+                </a:solidFill>
+                <a:cs typeface="Arial" pitchFamily="34" charset="0"/>
+              </a:rPr>
+              <a:t> for assisting us in our Assignments and Difficulties throughout our semester.</a:t>
+            </a:r>
           </a:p>
         </p:txBody>
       </p:sp>
@@ -11749,7 +11856,7 @@
         <p:spPr>
           <a:xfrm>
             <a:off x="235132" y="415482"/>
-            <a:ext cx="11311888" cy="1909707"/>
+            <a:ext cx="11861074" cy="1909707"/>
           </a:xfrm>
           <a:prstGeom prst="rect">
             <a:avLst/>
@@ -11780,6 +11887,32 @@
           </a:lstStyle>
           <a:p>
             <a:r>
+              <a:rPr lang="en-US" altLang="ko-KR" sz="2400" b="1" dirty="0">
+                <a:ln w="12700">
+                  <a:solidFill>
+                    <a:schemeClr val="tx2">
+                      <a:satMod val="155000"/>
+                    </a:schemeClr>
+                  </a:solidFill>
+                  <a:prstDash val="solid"/>
+                </a:ln>
+                <a:solidFill>
+                  <a:schemeClr val="bg2">
+                    <a:tint val="85000"/>
+                    <a:satMod val="155000"/>
+                  </a:schemeClr>
+                </a:solidFill>
+                <a:effectLst>
+                  <a:outerShdw blurRad="41275" dist="20320" dir="1800000" algn="tl" rotWithShape="0">
+                    <a:srgbClr val="000000">
+                      <a:alpha val="40000"/>
+                    </a:srgbClr>
+                  </a:outerShdw>
+                </a:effectLst>
+              </a:rPr>
+              <a:t> </a:t>
+            </a:r>
+            <a:r>
               <a:rPr lang="en-US" altLang="ko-KR" sz="2400" b="1" dirty="0" smtClean="0">
                 <a:ln w="12700">
                   <a:solidFill>
@@ -11803,10 +11936,10 @@
                   </a:outerShdw>
                 </a:effectLst>
               </a:rPr>
-              <a:t>		 </a:t>
+              <a:t>      </a:t>
             </a:r>
             <a:r>
-              <a:rPr lang="en-US" altLang="ko-KR" sz="3400" b="1" dirty="0" smtClean="0">
+              <a:rPr lang="en-US" altLang="ko-KR" sz="4000" b="1" dirty="0" smtClean="0">
                 <a:ln w="12700">
                   <a:solidFill>
                     <a:schemeClr val="tx2">
@@ -11832,7 +11965,7 @@
               <a:t>ACKNOWLEDGEMENT</a:t>
             </a:r>
             <a:r>
-              <a:rPr lang="ko-KR" altLang="en-US" sz="3400" b="1" dirty="0" smtClean="0">
+              <a:rPr lang="ko-KR" altLang="en-US" sz="4000" b="1" dirty="0" smtClean="0">
                 <a:ln w="12700">
                   <a:solidFill>
                     <a:schemeClr val="tx2">
@@ -11858,7 +11991,7 @@
               <a:t> </a:t>
             </a:r>
             <a:r>
-              <a:rPr lang="en-CA" altLang="ko-KR" sz="3400" b="1" dirty="0" smtClean="0">
+              <a:rPr lang="en-CA" altLang="ko-KR" sz="4000" b="1" dirty="0" smtClean="0">
                 <a:ln w="12700">
                   <a:solidFill>
                     <a:schemeClr val="tx2">
@@ -11884,7 +12017,7 @@
               <a:t>&amp; </a:t>
             </a:r>
             <a:r>
-              <a:rPr lang="en-US" altLang="ko-KR" sz="3400" b="1" dirty="0" smtClean="0">
+              <a:rPr lang="en-US" altLang="ko-KR" sz="4000" b="1" dirty="0" smtClean="0">
                 <a:ln w="12700">
                   <a:solidFill>
                     <a:schemeClr val="tx2">
@@ -11910,7 +12043,7 @@
               </a:rPr>
               <a:t>CONCLUSION</a:t>
             </a:r>
-            <a:endParaRPr lang="ko-KR" altLang="en-US" sz="3400" b="1" dirty="0">
+            <a:endParaRPr lang="ko-KR" altLang="en-US" sz="4000" b="1" dirty="0">
               <a:ln w="12700">
                 <a:solidFill>
                   <a:schemeClr val="tx2">
@@ -11951,7 +12084,7 @@
         </p:nvSpPr>
         <p:spPr>
           <a:xfrm>
-            <a:off x="10472322" y="1145151"/>
+            <a:off x="10794204" y="1112387"/>
             <a:ext cx="427171" cy="450368"/>
           </a:xfrm>
           <a:custGeom>
@@ -12645,7 +12778,7 @@
         <p:spPr>
           <a:xfrm>
             <a:off x="811173" y="1271728"/>
-            <a:ext cx="5349930" cy="5016758"/>
+            <a:ext cx="5349930" cy="4185761"/>
           </a:xfrm>
           <a:prstGeom prst="rect">
             <a:avLst/>
@@ -12663,7 +12796,7 @@
               <a:buChar char="ü"/>
             </a:pPr>
             <a:r>
-              <a:rPr lang="en-US" altLang="ko-KR" sz="1600" dirty="0">
+              <a:rPr lang="en-US" altLang="ko-KR" sz="1400" dirty="0">
                 <a:solidFill>
                   <a:schemeClr val="tx1">
                     <a:lumMod val="75000"/>
@@ -12675,7 +12808,7 @@
               <a:t>Y. </a:t>
             </a:r>
             <a:r>
-              <a:rPr lang="en-US" altLang="ko-KR" sz="1600" dirty="0" err="1">
+              <a:rPr lang="en-US" altLang="ko-KR" sz="1400" dirty="0" err="1">
                 <a:solidFill>
                   <a:schemeClr val="tx1">
                     <a:lumMod val="75000"/>
@@ -12687,7 +12820,7 @@
               <a:t>Mejova</a:t>
             </a:r>
             <a:r>
-              <a:rPr lang="en-US" altLang="ko-KR" sz="1600" dirty="0">
+              <a:rPr lang="en-US" altLang="ko-KR" sz="1400" dirty="0">
                 <a:solidFill>
                   <a:schemeClr val="tx1">
                     <a:lumMod val="75000"/>
@@ -12699,7 +12832,7 @@
               <a:t>, “Sentiment analysis: An overview,” Comprehensive </a:t>
             </a:r>
             <a:r>
-              <a:rPr lang="en-US" altLang="ko-KR" sz="1600" dirty="0" err="1">
+              <a:rPr lang="en-US" altLang="ko-KR" sz="1400" dirty="0" err="1">
                 <a:solidFill>
                   <a:schemeClr val="tx1">
                     <a:lumMod val="75000"/>
@@ -12711,7 +12844,7 @@
               <a:t>exampaper</a:t>
             </a:r>
             <a:r>
-              <a:rPr lang="en-US" altLang="ko-KR" sz="1600" dirty="0">
+              <a:rPr lang="en-US" altLang="ko-KR" sz="1400" dirty="0">
                 <a:solidFill>
                   <a:schemeClr val="tx1">
                     <a:lumMod val="75000"/>
@@ -12723,7 +12856,7 @@
               <a:t>, </a:t>
             </a:r>
             <a:r>
-              <a:rPr lang="en-US" altLang="ko-KR" sz="1600" u="sng" dirty="0">
+              <a:rPr lang="en-US" altLang="ko-KR" sz="1400" u="sng" dirty="0">
                 <a:solidFill>
                   <a:srgbClr val="002060"/>
                 </a:solidFill>
@@ -12733,7 +12866,7 @@
             </a:r>
           </a:p>
           <a:p>
-            <a:endParaRPr lang="en-US" altLang="ko-KR" sz="1600" dirty="0">
+            <a:endParaRPr lang="en-US" altLang="ko-KR" sz="1400" dirty="0">
               <a:solidFill>
                 <a:schemeClr val="tx1">
                   <a:lumMod val="75000"/>
@@ -12749,7 +12882,7 @@
               <a:buChar char="ü"/>
             </a:pPr>
             <a:r>
-              <a:rPr lang="en-US" altLang="ko-KR" sz="1600" dirty="0" err="1">
+              <a:rPr lang="en-US" altLang="ko-KR" sz="1400" dirty="0" err="1">
                 <a:solidFill>
                   <a:schemeClr val="tx1">
                     <a:lumMod val="75000"/>
@@ -12761,7 +12894,7 @@
               <a:t>Barskar</a:t>
             </a:r>
             <a:r>
-              <a:rPr lang="en-US" altLang="ko-KR" sz="1600" dirty="0">
+              <a:rPr lang="en-US" altLang="ko-KR" sz="1400" dirty="0">
                 <a:solidFill>
                   <a:schemeClr val="tx1">
                     <a:lumMod val="75000"/>
@@ -12773,7 +12906,7 @@
               <a:t>, A., &amp; </a:t>
             </a:r>
             <a:r>
-              <a:rPr lang="en-US" altLang="ko-KR" sz="1600" dirty="0" err="1">
+              <a:rPr lang="en-US" altLang="ko-KR" sz="1400" dirty="0" err="1">
                 <a:solidFill>
                   <a:schemeClr val="tx1">
                     <a:lumMod val="75000"/>
@@ -12785,7 +12918,7 @@
               <a:t>Phulre</a:t>
             </a:r>
             <a:r>
-              <a:rPr lang="en-US" altLang="ko-KR" sz="1600" dirty="0">
+              <a:rPr lang="en-US" altLang="ko-KR" sz="1400" dirty="0">
                 <a:solidFill>
                   <a:schemeClr val="tx1">
                     <a:lumMod val="75000"/>
@@ -12798,7 +12931,7 @@
             </a:r>
           </a:p>
           <a:p>
-            <a:endParaRPr lang="en-US" altLang="ko-KR" sz="1600" dirty="0">
+            <a:endParaRPr lang="en-US" altLang="ko-KR" sz="1400" dirty="0">
               <a:solidFill>
                 <a:schemeClr val="tx1">
                   <a:lumMod val="75000"/>
@@ -12814,7 +12947,7 @@
               <a:buChar char="ü"/>
             </a:pPr>
             <a:r>
-              <a:rPr lang="en-US" altLang="ko-KR" sz="1600" dirty="0">
+              <a:rPr lang="en-US" altLang="ko-KR" sz="1400" dirty="0">
                 <a:solidFill>
                   <a:schemeClr val="tx1">
                     <a:lumMod val="75000"/>
@@ -12827,7 +12960,7 @@
             </a:r>
           </a:p>
           <a:p>
-            <a:endParaRPr lang="en-US" altLang="ko-KR" sz="1600" dirty="0">
+            <a:endParaRPr lang="en-US" altLang="ko-KR" sz="1400" dirty="0">
               <a:solidFill>
                 <a:schemeClr val="tx1">
                   <a:lumMod val="75000"/>
@@ -12843,7 +12976,7 @@
               <a:buChar char="ü"/>
             </a:pPr>
             <a:r>
-              <a:rPr lang="en-US" altLang="ko-KR" sz="1600" dirty="0">
+              <a:rPr lang="en-US" altLang="ko-KR" sz="1400" dirty="0">
                 <a:solidFill>
                   <a:schemeClr val="tx1">
                     <a:lumMod val="75000"/>
@@ -22248,7 +22381,7 @@
           <a:lstStyle/>
           <a:p>
             <a:r>
-              <a:rPr lang="en-US" sz="4400" b="1" dirty="0">
+              <a:rPr lang="en-US" b="1" dirty="0">
                 <a:ln w="12700">
                   <a:solidFill>
                     <a:schemeClr val="tx2">
@@ -22273,7 +22406,6 @@
               </a:rPr>
               <a:t>Tools and Technology Used</a:t>
             </a:r>
-            <a:endParaRPr lang="en-US" sz="4400" dirty="0"/>
           </a:p>
         </p:txBody>
       </p:sp>
@@ -22757,8 +22889,8 @@
         </p:nvSpPr>
         <p:spPr>
           <a:xfrm>
-            <a:off x="1028699" y="1958371"/>
-            <a:ext cx="2880000" cy="276999"/>
+            <a:off x="666206" y="1958371"/>
+            <a:ext cx="3242493" cy="307777"/>
           </a:xfrm>
           <a:prstGeom prst="rect">
             <a:avLst/>
@@ -22773,7 +22905,7 @@
           <a:p>
             <a:pPr algn="r"/>
             <a:r>
-              <a:rPr lang="en-US" altLang="ko-KR" sz="1200" dirty="0">
+              <a:rPr lang="en-US" altLang="ko-KR" sz="1400" dirty="0">
                 <a:solidFill>
                   <a:schemeClr val="bg1"/>
                 </a:solidFill>
@@ -22781,7 +22913,7 @@
               </a:rPr>
               <a:t>Online Meetings and Communication</a:t>
             </a:r>
-            <a:endParaRPr lang="ko-KR" altLang="en-US" sz="1200" dirty="0">
+            <a:endParaRPr lang="ko-KR" altLang="en-US" sz="1400" dirty="0">
               <a:solidFill>
                 <a:schemeClr val="bg1"/>
               </a:solidFill>
@@ -22805,7 +22937,7 @@
         <p:spPr>
           <a:xfrm>
             <a:off x="1028699" y="2841202"/>
-            <a:ext cx="2880000" cy="276999"/>
+            <a:ext cx="2880000" cy="307777"/>
           </a:xfrm>
           <a:prstGeom prst="rect">
             <a:avLst/>
@@ -22820,7 +22952,7 @@
           <a:p>
             <a:pPr algn="r"/>
             <a:r>
-              <a:rPr lang="en-US" altLang="ko-KR" sz="1200" dirty="0">
+              <a:rPr lang="en-US" altLang="ko-KR" sz="1400" dirty="0">
                 <a:solidFill>
                   <a:schemeClr val="bg1"/>
                 </a:solidFill>
@@ -22828,7 +22960,7 @@
               </a:rPr>
               <a:t>Bug Resolve Tools</a:t>
             </a:r>
-            <a:endParaRPr lang="ko-KR" altLang="en-US" sz="1200" dirty="0">
+            <a:endParaRPr lang="ko-KR" altLang="en-US" sz="1400" dirty="0">
               <a:solidFill>
                 <a:schemeClr val="bg1"/>
               </a:solidFill>
@@ -22852,7 +22984,7 @@
         <p:spPr>
           <a:xfrm>
             <a:off x="1028699" y="3724033"/>
-            <a:ext cx="2880000" cy="276999"/>
+            <a:ext cx="2880000" cy="307777"/>
           </a:xfrm>
           <a:prstGeom prst="rect">
             <a:avLst/>
@@ -22867,7 +22999,7 @@
           <a:p>
             <a:pPr algn="r"/>
             <a:r>
-              <a:rPr lang="en-US" altLang="ko-KR" sz="1200" dirty="0">
+              <a:rPr lang="en-US" altLang="ko-KR" sz="1400" dirty="0">
                 <a:solidFill>
                   <a:schemeClr val="bg1"/>
                 </a:solidFill>
@@ -22875,7 +23007,7 @@
               </a:rPr>
               <a:t>Code Sharing and Version Control</a:t>
             </a:r>
-            <a:endParaRPr lang="ko-KR" altLang="en-US" sz="1200" dirty="0">
+            <a:endParaRPr lang="ko-KR" altLang="en-US" sz="1400" dirty="0">
               <a:solidFill>
                 <a:schemeClr val="bg1"/>
               </a:solidFill>
@@ -22899,7 +23031,7 @@
         <p:spPr>
           <a:xfrm>
             <a:off x="1028699" y="4606864"/>
-            <a:ext cx="2880000" cy="276999"/>
+            <a:ext cx="2880000" cy="307777"/>
           </a:xfrm>
           <a:prstGeom prst="rect">
             <a:avLst/>
@@ -22914,7 +23046,7 @@
           <a:p>
             <a:pPr algn="r"/>
             <a:r>
-              <a:rPr lang="en-US" altLang="ko-KR" sz="1200" dirty="0">
+              <a:rPr lang="en-US" altLang="ko-KR" sz="1400" dirty="0">
                 <a:solidFill>
                   <a:schemeClr val="bg1"/>
                 </a:solidFill>
@@ -22922,7 +23054,7 @@
               </a:rPr>
               <a:t>Testing Tools</a:t>
             </a:r>
-            <a:endParaRPr lang="ko-KR" altLang="en-US" sz="1200" dirty="0">
+            <a:endParaRPr lang="ko-KR" altLang="en-US" sz="1400" dirty="0">
               <a:solidFill>
                 <a:schemeClr val="bg1"/>
               </a:solidFill>
@@ -22992,10 +23124,10 @@
         </p:nvGrpSpPr>
         <p:grpSpPr>
           <a:xfrm>
-            <a:off x="7216281" y="1902978"/>
-            <a:ext cx="3544483" cy="664784"/>
+            <a:off x="7216281" y="1902977"/>
+            <a:ext cx="3544483" cy="726339"/>
             <a:chOff x="6210996" y="1433695"/>
-            <a:chExt cx="1712589" cy="472943"/>
+            <a:chExt cx="1712589" cy="516735"/>
           </a:xfrm>
         </p:grpSpPr>
         <p:sp>
@@ -23013,7 +23145,7 @@
           <p:spPr>
             <a:xfrm>
               <a:off x="6210999" y="1433695"/>
-              <a:ext cx="1712586" cy="197064"/>
+              <a:ext cx="1712586" cy="218960"/>
             </a:xfrm>
             <a:prstGeom prst="rect">
               <a:avLst/>
@@ -23027,7 +23159,7 @@
             <a:lstStyle/>
             <a:p>
               <a:r>
-                <a:rPr lang="en-US" altLang="ko-KR" sz="1200" b="1" dirty="0">
+                <a:rPr lang="en-US" altLang="ko-KR" sz="1400" b="1" dirty="0">
                   <a:solidFill>
                     <a:schemeClr val="tx1">
                       <a:lumMod val="75000"/>
@@ -23038,7 +23170,7 @@
                 </a:rPr>
                 <a:t>Tools Used:</a:t>
               </a:r>
-              <a:endParaRPr lang="ko-KR" altLang="en-US" sz="1200" b="1" dirty="0">
+              <a:endParaRPr lang="ko-KR" altLang="en-US" sz="1400" b="1" dirty="0">
                 <a:solidFill>
                   <a:schemeClr val="tx1">
                     <a:lumMod val="75000"/>
@@ -23065,7 +23197,7 @@
           <p:spPr>
             <a:xfrm>
               <a:off x="6210996" y="1578199"/>
-              <a:ext cx="1712587" cy="328439"/>
+              <a:ext cx="1712587" cy="372231"/>
             </a:xfrm>
             <a:prstGeom prst="rect">
               <a:avLst/>
@@ -23079,7 +23211,7 @@
             <a:lstStyle/>
             <a:p>
               <a:r>
-                <a:rPr lang="en-US" altLang="ko-KR" sz="1200" dirty="0" smtClean="0">
+                <a:rPr lang="en-US" altLang="ko-KR" sz="1400" dirty="0" smtClean="0">
                   <a:solidFill>
                     <a:schemeClr val="tx1">
                       <a:lumMod val="75000"/>
@@ -23091,7 +23223,7 @@
                 <a:t>Zoom and MS Teams for </a:t>
               </a:r>
               <a:r>
-                <a:rPr lang="en-US" altLang="ko-KR" sz="1200" dirty="0">
+                <a:rPr lang="en-US" altLang="ko-KR" sz="1400" dirty="0">
                   <a:solidFill>
                     <a:schemeClr val="tx1">
                       <a:lumMod val="75000"/>
@@ -23103,7 +23235,7 @@
                 <a:t>Conference Meeting and </a:t>
               </a:r>
               <a:r>
-                <a:rPr lang="en-US" altLang="ko-KR" sz="1200" dirty="0" smtClean="0">
+                <a:rPr lang="en-US" altLang="ko-KR" sz="1400" dirty="0" smtClean="0">
                   <a:solidFill>
                     <a:schemeClr val="tx1">
                       <a:lumMod val="75000"/>
@@ -23114,7 +23246,7 @@
                 </a:rPr>
                 <a:t>TeamViewer for file sharing</a:t>
               </a:r>
-              <a:endParaRPr lang="ko-KR" altLang="en-US" sz="1200" dirty="0">
+              <a:endParaRPr lang="ko-KR" altLang="en-US" sz="1400" dirty="0">
                 <a:solidFill>
                   <a:schemeClr val="tx1">
                     <a:lumMod val="75000"/>
@@ -23141,10 +23273,10 @@
         </p:nvGrpSpPr>
         <p:grpSpPr>
           <a:xfrm>
-            <a:off x="7216278" y="2872646"/>
-            <a:ext cx="3292695" cy="480119"/>
+            <a:off x="7216278" y="2872647"/>
+            <a:ext cx="3292695" cy="510897"/>
             <a:chOff x="6210996" y="1433695"/>
-            <a:chExt cx="1712589" cy="341568"/>
+            <a:chExt cx="1712589" cy="363464"/>
           </a:xfrm>
         </p:grpSpPr>
         <p:sp>
@@ -23162,7 +23294,7 @@
           <p:spPr>
             <a:xfrm>
               <a:off x="6210999" y="1433695"/>
-              <a:ext cx="1712586" cy="197064"/>
+              <a:ext cx="1712586" cy="218960"/>
             </a:xfrm>
             <a:prstGeom prst="rect">
               <a:avLst/>
@@ -23176,7 +23308,7 @@
             <a:lstStyle/>
             <a:p>
               <a:r>
-                <a:rPr lang="en-US" altLang="ko-KR" sz="1200" b="1" dirty="0">
+                <a:rPr lang="en-US" altLang="ko-KR" sz="1400" b="1" dirty="0">
                   <a:solidFill>
                     <a:schemeClr val="tx1">
                       <a:lumMod val="75000"/>
@@ -23187,7 +23319,7 @@
                 </a:rPr>
                 <a:t>Tool Used:</a:t>
               </a:r>
-              <a:endParaRPr lang="ko-KR" altLang="en-US" sz="1200" b="1" dirty="0">
+              <a:endParaRPr lang="ko-KR" altLang="en-US" sz="1400" b="1" dirty="0">
                 <a:solidFill>
                   <a:schemeClr val="tx1">
                     <a:lumMod val="75000"/>
@@ -23214,7 +23346,7 @@
           <p:spPr>
             <a:xfrm>
               <a:off x="6210996" y="1578199"/>
-              <a:ext cx="1712587" cy="197064"/>
+              <a:ext cx="1712587" cy="218960"/>
             </a:xfrm>
             <a:prstGeom prst="rect">
               <a:avLst/>
@@ -23228,7 +23360,7 @@
             <a:lstStyle/>
             <a:p>
               <a:r>
-                <a:rPr lang="en-US" altLang="ko-KR" sz="1200" dirty="0">
+                <a:rPr lang="en-US" altLang="ko-KR" sz="1400" dirty="0">
                   <a:solidFill>
                     <a:schemeClr val="tx1">
                       <a:lumMod val="75000"/>
@@ -23239,7 +23371,7 @@
                 </a:rPr>
                 <a:t>Redmine</a:t>
               </a:r>
-              <a:endParaRPr lang="ko-KR" altLang="en-US" sz="1200" dirty="0">
+              <a:endParaRPr lang="ko-KR" altLang="en-US" sz="1400" dirty="0">
                 <a:solidFill>
                   <a:schemeClr val="tx1">
                     <a:lumMod val="75000"/>
@@ -23266,10 +23398,10 @@
         </p:nvGrpSpPr>
         <p:grpSpPr>
           <a:xfrm>
-            <a:off x="7216277" y="3680076"/>
-            <a:ext cx="3947025" cy="480119"/>
+            <a:off x="7216277" y="3680077"/>
+            <a:ext cx="3947025" cy="510897"/>
             <a:chOff x="6210996" y="1433695"/>
-            <a:chExt cx="2407276" cy="341568"/>
+            <a:chExt cx="2407276" cy="363464"/>
           </a:xfrm>
         </p:grpSpPr>
         <p:sp>
@@ -23287,7 +23419,7 @@
           <p:spPr>
             <a:xfrm>
               <a:off x="6210999" y="1433695"/>
-              <a:ext cx="1712586" cy="197064"/>
+              <a:ext cx="1712586" cy="218960"/>
             </a:xfrm>
             <a:prstGeom prst="rect">
               <a:avLst/>
@@ -23301,7 +23433,7 @@
             <a:lstStyle/>
             <a:p>
               <a:r>
-                <a:rPr lang="en-US" altLang="ko-KR" sz="1200" b="1" dirty="0">
+                <a:rPr lang="en-US" altLang="ko-KR" sz="1400" b="1" dirty="0">
                   <a:solidFill>
                     <a:schemeClr val="tx1">
                       <a:lumMod val="75000"/>
@@ -23312,7 +23444,7 @@
                 </a:rPr>
                 <a:t>Tool Used:</a:t>
               </a:r>
-              <a:endParaRPr lang="ko-KR" altLang="en-US" sz="1200" b="1" dirty="0">
+              <a:endParaRPr lang="ko-KR" altLang="en-US" sz="1400" b="1" dirty="0">
                 <a:solidFill>
                   <a:schemeClr val="tx1">
                     <a:lumMod val="75000"/>
@@ -23339,7 +23471,7 @@
           <p:spPr>
             <a:xfrm>
               <a:off x="6210996" y="1578199"/>
-              <a:ext cx="2407276" cy="197064"/>
+              <a:ext cx="2407276" cy="218960"/>
             </a:xfrm>
             <a:prstGeom prst="rect">
               <a:avLst/>
@@ -23353,7 +23485,7 @@
             <a:lstStyle/>
             <a:p>
               <a:r>
-                <a:rPr lang="en-US" altLang="ko-KR" sz="1200" dirty="0" smtClean="0">
+                <a:rPr lang="en-US" altLang="ko-KR" sz="1400" dirty="0" smtClean="0">
                   <a:solidFill>
                     <a:schemeClr val="tx1">
                       <a:lumMod val="75000"/>
@@ -23365,7 +23497,7 @@
                 <a:t>GitHub and SVN </a:t>
               </a:r>
               <a:r>
-                <a:rPr lang="en-US" altLang="ko-KR" sz="1200" dirty="0">
+                <a:rPr lang="en-US" altLang="ko-KR" sz="1400" dirty="0">
                   <a:solidFill>
                     <a:schemeClr val="tx1">
                       <a:lumMod val="75000"/>
@@ -23376,7 +23508,7 @@
                 </a:rPr>
                 <a:t>for version control</a:t>
               </a:r>
-              <a:endParaRPr lang="ko-KR" altLang="en-US" sz="1200" dirty="0">
+              <a:endParaRPr lang="ko-KR" altLang="en-US" sz="1400" dirty="0">
                 <a:solidFill>
                   <a:schemeClr val="tx1">
                     <a:lumMod val="75000"/>
@@ -23403,10 +23535,10 @@
         </p:nvGrpSpPr>
         <p:grpSpPr>
           <a:xfrm>
-            <a:off x="7216266" y="4551392"/>
-            <a:ext cx="4525150" cy="480119"/>
+            <a:off x="7216266" y="4551393"/>
+            <a:ext cx="4525150" cy="510897"/>
             <a:chOff x="6210996" y="1433695"/>
-            <a:chExt cx="1712589" cy="341568"/>
+            <a:chExt cx="1712589" cy="363464"/>
           </a:xfrm>
         </p:grpSpPr>
         <p:sp>
@@ -23424,7 +23556,7 @@
           <p:spPr>
             <a:xfrm>
               <a:off x="6210999" y="1433695"/>
-              <a:ext cx="1712586" cy="197064"/>
+              <a:ext cx="1712586" cy="218960"/>
             </a:xfrm>
             <a:prstGeom prst="rect">
               <a:avLst/>
@@ -23438,7 +23570,7 @@
             <a:lstStyle/>
             <a:p>
               <a:r>
-                <a:rPr lang="en-US" altLang="ko-KR" sz="1200" b="1" dirty="0">
+                <a:rPr lang="en-US" altLang="ko-KR" sz="1400" b="1" dirty="0">
                   <a:solidFill>
                     <a:schemeClr val="tx1">
                       <a:lumMod val="75000"/>
@@ -23449,7 +23581,7 @@
                 </a:rPr>
                 <a:t>Tools Used:</a:t>
               </a:r>
-              <a:endParaRPr lang="ko-KR" altLang="en-US" sz="1200" b="1" dirty="0">
+              <a:endParaRPr lang="ko-KR" altLang="en-US" sz="1400" b="1" dirty="0">
                 <a:solidFill>
                   <a:schemeClr val="tx1">
                     <a:lumMod val="75000"/>
@@ -23476,7 +23608,7 @@
           <p:spPr>
             <a:xfrm>
               <a:off x="6210996" y="1578199"/>
-              <a:ext cx="1712587" cy="197064"/>
+              <a:ext cx="1712587" cy="218960"/>
             </a:xfrm>
             <a:prstGeom prst="rect">
               <a:avLst/>
@@ -23490,7 +23622,7 @@
             <a:lstStyle/>
             <a:p>
               <a:r>
-                <a:rPr lang="en-IN" altLang="ko-KR" sz="1200" dirty="0" smtClean="0">
+                <a:rPr lang="en-IN" altLang="ko-KR" sz="1400" dirty="0" smtClean="0">
                   <a:solidFill>
                     <a:schemeClr val="tx1">
                       <a:lumMod val="75000"/>
@@ -23501,7 +23633,7 @@
                 </a:rPr>
                 <a:t>MR Unit</a:t>
               </a:r>
-              <a:endParaRPr lang="ko-KR" altLang="en-US" sz="1200" dirty="0">
+              <a:endParaRPr lang="ko-KR" altLang="en-US" sz="1400" dirty="0">
                 <a:solidFill>
                   <a:schemeClr val="tx1">
                     <a:lumMod val="75000"/>
@@ -23788,8 +23920,8 @@
         </p:nvSpPr>
         <p:spPr>
           <a:xfrm>
-            <a:off x="1028699" y="5689964"/>
-            <a:ext cx="2880000" cy="276999"/>
+            <a:off x="783771" y="5689964"/>
+            <a:ext cx="3124928" cy="307777"/>
           </a:xfrm>
           <a:prstGeom prst="rect">
             <a:avLst/>
@@ -23804,7 +23936,7 @@
           <a:p>
             <a:pPr algn="r"/>
             <a:r>
-              <a:rPr lang="en-US" altLang="ko-KR" sz="1200" dirty="0">
+              <a:rPr lang="en-US" altLang="ko-KR" sz="1400" dirty="0">
                 <a:solidFill>
                   <a:schemeClr val="bg1"/>
                 </a:solidFill>
@@ -23812,7 +23944,7 @@
               </a:rPr>
               <a:t>Technology Used to Build the Project</a:t>
             </a:r>
-            <a:endParaRPr lang="ko-KR" altLang="en-US" sz="1200" dirty="0">
+            <a:endParaRPr lang="ko-KR" altLang="en-US" sz="1400" dirty="0">
               <a:solidFill>
                 <a:schemeClr val="bg1"/>
               </a:solidFill>
@@ -23871,10 +24003,10 @@
         </p:nvGrpSpPr>
         <p:grpSpPr>
           <a:xfrm>
-            <a:off x="7216261" y="5469194"/>
-            <a:ext cx="4525150" cy="664781"/>
+            <a:off x="7216261" y="5469193"/>
+            <a:ext cx="4525150" cy="941780"/>
             <a:chOff x="6210996" y="1433695"/>
-            <a:chExt cx="1712589" cy="472941"/>
+            <a:chExt cx="1712589" cy="670005"/>
           </a:xfrm>
         </p:grpSpPr>
         <p:sp>
@@ -23892,7 +24024,7 @@
           <p:spPr>
             <a:xfrm>
               <a:off x="6210999" y="1433695"/>
-              <a:ext cx="1712586" cy="197064"/>
+              <a:ext cx="1712586" cy="218960"/>
             </a:xfrm>
             <a:prstGeom prst="rect">
               <a:avLst/>
@@ -23906,7 +24038,7 @@
             <a:lstStyle/>
             <a:p>
               <a:r>
-                <a:rPr lang="en-US" altLang="ko-KR" sz="1200" b="1" dirty="0">
+                <a:rPr lang="en-US" altLang="ko-KR" sz="1400" b="1" dirty="0">
                   <a:solidFill>
                     <a:schemeClr val="tx1">
                       <a:lumMod val="75000"/>
@@ -23917,7 +24049,7 @@
                 </a:rPr>
                 <a:t>Tools Used:</a:t>
               </a:r>
-              <a:endParaRPr lang="ko-KR" altLang="en-US" sz="1200" b="1" dirty="0">
+              <a:endParaRPr lang="ko-KR" altLang="en-US" sz="1400" b="1" dirty="0">
                 <a:solidFill>
                   <a:schemeClr val="tx1">
                     <a:lumMod val="75000"/>
@@ -23944,7 +24076,7 @@
           <p:spPr>
             <a:xfrm>
               <a:off x="6210996" y="1578197"/>
-              <a:ext cx="1712587" cy="328439"/>
+              <a:ext cx="1712587" cy="525503"/>
             </a:xfrm>
             <a:prstGeom prst="rect">
               <a:avLst/>
@@ -23958,7 +24090,7 @@
             <a:lstStyle/>
             <a:p>
               <a:r>
-                <a:rPr lang="en-US" altLang="ko-KR" sz="1200" dirty="0" smtClean="0">
+                <a:rPr lang="en-US" altLang="ko-KR" sz="1400" dirty="0" smtClean="0">
                   <a:solidFill>
                     <a:schemeClr val="tx1">
                       <a:lumMod val="75000"/>
@@ -23970,7 +24102,7 @@
                 <a:t>Linux(Ubuntu), JDK 1.8.0 Apache Hadoop, Apache Flume, HDFS, Twitter API, Eclipse IDE, </a:t>
               </a:r>
               <a:r>
-                <a:rPr lang="en-US" altLang="ko-KR" sz="1200" dirty="0" err="1" smtClean="0">
+                <a:rPr lang="en-US" altLang="ko-KR" sz="1400" dirty="0" err="1" smtClean="0">
                   <a:solidFill>
                     <a:schemeClr val="tx1">
                       <a:lumMod val="75000"/>
@@ -23982,7 +24114,7 @@
                 <a:t>Jupyter</a:t>
               </a:r>
               <a:r>
-                <a:rPr lang="en-US" altLang="ko-KR" sz="1200" dirty="0" smtClean="0">
+                <a:rPr lang="en-US" altLang="ko-KR" sz="1400" dirty="0" smtClean="0">
                   <a:solidFill>
                     <a:schemeClr val="tx1">
                       <a:lumMod val="75000"/>
@@ -23993,7 +24125,7 @@
                 </a:rPr>
                 <a:t> Notebook</a:t>
               </a:r>
-              <a:endParaRPr lang="ko-KR" altLang="en-US" sz="1200" dirty="0">
+              <a:endParaRPr lang="ko-KR" altLang="en-US" sz="1400" dirty="0">
                 <a:solidFill>
                   <a:schemeClr val="tx1">
                     <a:lumMod val="75000"/>
@@ -24140,8 +24272,8 @@
         </p:blipFill>
         <p:spPr bwMode="auto">
           <a:xfrm>
-            <a:off x="488676" y="57964"/>
-            <a:ext cx="1522200" cy="1308959"/>
+            <a:off x="214356" y="81032"/>
+            <a:ext cx="1131118" cy="1186294"/>
           </a:xfrm>
           <a:prstGeom prst="rect">
             <a:avLst/>
@@ -24233,7 +24365,29 @@
           <a:lstStyle/>
           <a:p>
             <a:r>
-              <a:rPr lang="en-US" sz="4800" dirty="0"/>
+              <a:rPr lang="en-US" b="1" dirty="0">
+                <a:ln w="12700">
+                  <a:solidFill>
+                    <a:schemeClr val="tx2">
+                      <a:satMod val="155000"/>
+                    </a:schemeClr>
+                  </a:solidFill>
+                  <a:prstDash val="solid"/>
+                </a:ln>
+                <a:solidFill>
+                  <a:schemeClr val="bg2">
+                    <a:tint val="85000"/>
+                    <a:satMod val="155000"/>
+                  </a:schemeClr>
+                </a:solidFill>
+                <a:effectLst>
+                  <a:outerShdw blurRad="41275" dist="20320" dir="1800000" algn="tl" rotWithShape="0">
+                    <a:srgbClr val="000000">
+                      <a:alpha val="40000"/>
+                    </a:srgbClr>
+                  </a:outerShdw>
+                </a:effectLst>
+              </a:rPr>
               <a:t>Draft step by step process: </a:t>
             </a:r>
           </a:p>
